--- a/xiao-present0608.pptx
+++ b/xiao-present0608.pptx
@@ -336,7 +336,7 @@
                 <a:ea typeface="宋体" panose="02010600030101010101" pitchFamily="2" charset="-122"/>
                 <a:cs typeface="+mn-cs"/>
               </a:rPr>
-              <a:t>2024/6/8</a:t>
+              <a:t>2024/6/9</a:t>
             </a:fld>
             <a:endParaRPr lang="zh-CN" altLang="en-US" strike="noStrike" noProof="1"/>
           </a:p>
@@ -884,6 +884,67 @@
           <a:bodyPr/>
           <a:lstStyle/>
           <a:p>
+            <a:endParaRPr lang="en-CN" dirty="0"/>
+          </a:p>
+        </p:txBody>
+      </p:sp>
+    </p:spTree>
+    <p:extLst>
+      <p:ext uri="{BB962C8B-B14F-4D97-AF65-F5344CB8AC3E}">
+        <p14:creationId xmlns:p14="http://schemas.microsoft.com/office/powerpoint/2010/main" val="3090420900"/>
+      </p:ext>
+    </p:extLst>
+  </p:cSld>
+  <p:clrMapOvr>
+    <a:masterClrMapping/>
+  </p:clrMapOvr>
+</p:notes>
+</file>
+
+<file path=ppt/notesSlides/notesSlide4.xml><?xml version="1.0" encoding="utf-8"?>
+<p:notes xmlns:a="http://schemas.openxmlformats.org/drawingml/2006/main" xmlns:r="http://schemas.openxmlformats.org/officeDocument/2006/relationships" xmlns:p="http://schemas.openxmlformats.org/presentationml/2006/main">
+  <p:cSld>
+    <p:spTree>
+      <p:nvGrpSpPr>
+        <p:cNvPr id="1" name=""/>
+        <p:cNvGrpSpPr/>
+        <p:nvPr/>
+      </p:nvGrpSpPr>
+      <p:grpSpPr>
+        <a:xfrm>
+          <a:off x="0" y="0"/>
+          <a:ext cx="0" cy="0"/>
+          <a:chOff x="0" y="0"/>
+          <a:chExt cx="0" cy="0"/>
+        </a:xfrm>
+      </p:grpSpPr>
+      <p:sp>
+        <p:nvSpPr>
+          <p:cNvPr id="2" name="Slide Image Placeholder 1"/>
+          <p:cNvSpPr>
+            <a:spLocks noGrp="1" noRot="1" noChangeAspect="1"/>
+          </p:cNvSpPr>
+          <p:nvPr>
+            <p:ph type="sldImg"/>
+          </p:nvPr>
+        </p:nvSpPr>
+        <p:spPr/>
+      </p:sp>
+      <p:sp>
+        <p:nvSpPr>
+          <p:cNvPr id="3" name="Notes Placeholder 2"/>
+          <p:cNvSpPr>
+            <a:spLocks noGrp="1"/>
+          </p:cNvSpPr>
+          <p:nvPr>
+            <p:ph type="body" idx="1"/>
+          </p:nvPr>
+        </p:nvSpPr>
+        <p:spPr/>
+        <p:txBody>
+          <a:bodyPr/>
+          <a:lstStyle/>
+          <a:p>
             <a:pPr algn="l">
               <a:buFont typeface="+mj-lt"/>
               <a:buAutoNum type="arabicPeriod"/>
@@ -1761,7 +1822,7 @@
                 <a:ea typeface="+mn-ea"/>
                 <a:cs typeface="+mn-cs"/>
               </a:rPr>
-              <a:t>2024/6/8</a:t>
+              <a:t>2024/6/9</a:t>
             </a:fld>
             <a:endParaRPr kumimoji="0" lang="zh-CN" altLang="en-US" sz="1200" b="0" i="0" u="none" strike="noStrike" kern="1200" cap="none" spc="0" normalizeH="0" baseline="0" noProof="0">
               <a:ln>
@@ -2009,7 +2070,7 @@
                 <a:ea typeface="+mn-ea"/>
                 <a:cs typeface="+mn-cs"/>
               </a:rPr>
-              <a:t>2024/6/8</a:t>
+              <a:t>2024/6/9</a:t>
             </a:fld>
             <a:endParaRPr kumimoji="0" lang="zh-CN" altLang="en-US" sz="1200" b="0" i="0" u="none" strike="noStrike" kern="1200" cap="none" spc="0" normalizeH="0" baseline="0" noProof="0">
               <a:ln>
@@ -2267,7 +2328,7 @@
                 <a:ea typeface="+mn-ea"/>
                 <a:cs typeface="+mn-cs"/>
               </a:rPr>
-              <a:t>2024/6/8</a:t>
+              <a:t>2024/6/9</a:t>
             </a:fld>
             <a:endParaRPr kumimoji="0" lang="zh-CN" altLang="en-US" sz="1200" b="0" i="0" u="none" strike="noStrike" kern="1200" cap="none" spc="0" normalizeH="0" baseline="0" noProof="0">
               <a:ln>
@@ -2484,7 +2545,7 @@
                 <a:ea typeface="+mn-ea"/>
                 <a:cs typeface="+mn-cs"/>
               </a:rPr>
-              <a:t>2024/6/8</a:t>
+              <a:t>2024/6/9</a:t>
             </a:fld>
             <a:endParaRPr kumimoji="0" lang="zh-CN" altLang="en-US" sz="1200" b="0" i="0" u="none" strike="noStrike" kern="1200" cap="none" spc="0" normalizeH="0" baseline="0" noProof="0">
               <a:ln>
@@ -2805,7 +2866,7 @@
                 <a:ea typeface="+mn-ea"/>
                 <a:cs typeface="+mn-cs"/>
               </a:rPr>
-              <a:t>2024/6/8</a:t>
+              <a:t>2024/6/9</a:t>
             </a:fld>
             <a:endParaRPr kumimoji="0" lang="zh-CN" altLang="en-US" sz="1200" b="0" i="0" u="none" strike="noStrike" kern="1200" cap="none" spc="0" normalizeH="0" baseline="0" noProof="0">
               <a:ln>
@@ -3053,7 +3114,7 @@
                 <a:ea typeface="+mn-ea"/>
                 <a:cs typeface="+mn-cs"/>
               </a:rPr>
-              <a:t>2024/6/8</a:t>
+              <a:t>2024/6/9</a:t>
             </a:fld>
             <a:endParaRPr kumimoji="0" lang="zh-CN" altLang="en-US" sz="1200" b="0" i="0" u="none" strike="noStrike" kern="1200" cap="none" spc="0" normalizeH="0" baseline="0" noProof="0">
               <a:ln>
@@ -3378,7 +3439,7 @@
                 <a:ea typeface="+mn-ea"/>
                 <a:cs typeface="+mn-cs"/>
               </a:rPr>
-              <a:t>2024/6/8</a:t>
+              <a:t>2024/6/9</a:t>
             </a:fld>
             <a:endParaRPr kumimoji="0" lang="zh-CN" altLang="en-US" sz="1200" b="0" i="0" u="none" strike="noStrike" kern="1200" cap="none" spc="0" normalizeH="0" baseline="0" noProof="0">
               <a:ln>
@@ -3743,7 +3804,7 @@
                 <a:ea typeface="+mn-ea"/>
                 <a:cs typeface="+mn-cs"/>
               </a:rPr>
-              <a:t>2024/6/8</a:t>
+              <a:t>2024/6/9</a:t>
             </a:fld>
             <a:endParaRPr kumimoji="0" lang="zh-CN" altLang="en-US" sz="1200" b="0" i="0" u="none" strike="noStrike" kern="1200" cap="none" spc="0" normalizeH="0" baseline="0" noProof="0">
               <a:ln>
@@ -4242,7 +4303,7 @@
                 <a:ea typeface="+mn-ea"/>
                 <a:cs typeface="+mn-cs"/>
               </a:rPr>
-              <a:t>2024/6/8</a:t>
+              <a:t>2024/6/9</a:t>
             </a:fld>
             <a:endParaRPr kumimoji="0" lang="zh-CN" altLang="en-US" sz="1200" b="0" i="0" u="none" strike="noStrike" kern="1200" cap="none" spc="0" normalizeH="0" baseline="0" noProof="0">
               <a:ln>
@@ -4439,7 +4500,7 @@
                 <a:ea typeface="+mn-ea"/>
                 <a:cs typeface="+mn-cs"/>
               </a:rPr>
-              <a:t>2024/6/8</a:t>
+              <a:t>2024/6/9</a:t>
             </a:fld>
             <a:endParaRPr kumimoji="0" lang="zh-CN" altLang="en-US" sz="1200" b="0" i="0" u="none" strike="noStrike" kern="1200" cap="none" spc="0" normalizeH="0" baseline="0" noProof="0">
               <a:ln>
@@ -4613,7 +4674,7 @@
                 <a:ea typeface="+mn-ea"/>
                 <a:cs typeface="+mn-cs"/>
               </a:rPr>
-              <a:t>2024/6/8</a:t>
+              <a:t>2024/6/9</a:t>
             </a:fld>
             <a:endParaRPr kumimoji="0" lang="zh-CN" altLang="en-US" sz="1200" b="0" i="0" u="none" strike="noStrike" kern="1200" cap="none" spc="0" normalizeH="0" baseline="0" noProof="0">
               <a:ln>
@@ -4861,7 +4922,7 @@
                 <a:ea typeface="+mn-ea"/>
                 <a:cs typeface="+mn-cs"/>
               </a:rPr>
-              <a:t>2024/6/8</a:t>
+              <a:t>2024/6/9</a:t>
             </a:fld>
             <a:endParaRPr kumimoji="0" lang="zh-CN" altLang="en-US" sz="1200" b="0" i="0" u="none" strike="noStrike" kern="1200" cap="none" spc="0" normalizeH="0" baseline="0" noProof="0">
               <a:ln>
@@ -5216,7 +5277,7 @@
                 <a:ea typeface="+mn-ea"/>
                 <a:cs typeface="+mn-cs"/>
               </a:rPr>
-              <a:t>2024/6/8</a:t>
+              <a:t>2024/6/9</a:t>
             </a:fld>
             <a:endParaRPr kumimoji="0" lang="zh-CN" altLang="en-US" sz="1200" b="0" i="0" u="none" strike="noStrike" kern="1200" cap="none" spc="0" normalizeH="0" baseline="0" noProof="0">
               <a:ln>
@@ -5579,7 +5640,7 @@
                 <a:ea typeface="+mn-ea"/>
                 <a:cs typeface="+mn-cs"/>
               </a:rPr>
-              <a:t>2024/6/8</a:t>
+              <a:t>2024/6/9</a:t>
             </a:fld>
             <a:endParaRPr kumimoji="0" lang="zh-CN" altLang="en-US" sz="1200" b="0" i="0" u="none" strike="noStrike" kern="1200" cap="none" spc="0" normalizeH="0" baseline="0" noProof="0">
               <a:ln>
@@ -5827,7 +5888,7 @@
                 <a:ea typeface="+mn-ea"/>
                 <a:cs typeface="+mn-cs"/>
               </a:rPr>
-              <a:t>2024/6/8</a:t>
+              <a:t>2024/6/9</a:t>
             </a:fld>
             <a:endParaRPr kumimoji="0" lang="zh-CN" altLang="en-US" sz="1200" b="0" i="0" u="none" strike="noStrike" kern="1200" cap="none" spc="0" normalizeH="0" baseline="0" noProof="0">
               <a:ln>
@@ -6085,7 +6146,7 @@
                 <a:ea typeface="+mn-ea"/>
                 <a:cs typeface="+mn-cs"/>
               </a:rPr>
-              <a:t>2024/6/8</a:t>
+              <a:t>2024/6/9</a:t>
             </a:fld>
             <a:endParaRPr kumimoji="0" lang="zh-CN" altLang="en-US" sz="1200" b="0" i="0" u="none" strike="noStrike" kern="1200" cap="none" spc="0" normalizeH="0" baseline="0" noProof="0">
               <a:ln>
@@ -6406,7 +6467,7 @@
                 <a:ea typeface="+mn-ea"/>
                 <a:cs typeface="+mn-cs"/>
               </a:rPr>
-              <a:t>2024/6/8</a:t>
+              <a:t>2024/6/9</a:t>
             </a:fld>
             <a:endParaRPr kumimoji="0" lang="zh-CN" altLang="en-US" sz="1200" b="0" i="0" u="none" strike="noStrike" kern="1200" cap="none" spc="0" normalizeH="0" baseline="0" noProof="0">
               <a:ln>
@@ -6654,7 +6715,7 @@
                 <a:ea typeface="+mn-ea"/>
                 <a:cs typeface="+mn-cs"/>
               </a:rPr>
-              <a:t>2024/6/8</a:t>
+              <a:t>2024/6/9</a:t>
             </a:fld>
             <a:endParaRPr kumimoji="0" lang="zh-CN" altLang="en-US" sz="1200" b="0" i="0" u="none" strike="noStrike" kern="1200" cap="none" spc="0" normalizeH="0" baseline="0" noProof="0">
               <a:ln>
@@ -6979,7 +7040,7 @@
                 <a:ea typeface="+mn-ea"/>
                 <a:cs typeface="+mn-cs"/>
               </a:rPr>
-              <a:t>2024/6/8</a:t>
+              <a:t>2024/6/9</a:t>
             </a:fld>
             <a:endParaRPr kumimoji="0" lang="zh-CN" altLang="en-US" sz="1200" b="0" i="0" u="none" strike="noStrike" kern="1200" cap="none" spc="0" normalizeH="0" baseline="0" noProof="0">
               <a:ln>
@@ -7344,7 +7405,7 @@
                 <a:ea typeface="+mn-ea"/>
                 <a:cs typeface="+mn-cs"/>
               </a:rPr>
-              <a:t>2024/6/8</a:t>
+              <a:t>2024/6/9</a:t>
             </a:fld>
             <a:endParaRPr kumimoji="0" lang="zh-CN" altLang="en-US" sz="1200" b="0" i="0" u="none" strike="noStrike" kern="1200" cap="none" spc="0" normalizeH="0" baseline="0" noProof="0">
               <a:ln>
@@ -7843,7 +7904,7 @@
                 <a:ea typeface="+mn-ea"/>
                 <a:cs typeface="+mn-cs"/>
               </a:rPr>
-              <a:t>2024/6/8</a:t>
+              <a:t>2024/6/9</a:t>
             </a:fld>
             <a:endParaRPr kumimoji="0" lang="zh-CN" altLang="en-US" sz="1200" b="0" i="0" u="none" strike="noStrike" kern="1200" cap="none" spc="0" normalizeH="0" baseline="0" noProof="0">
               <a:ln>
@@ -8040,7 +8101,7 @@
                 <a:ea typeface="+mn-ea"/>
                 <a:cs typeface="+mn-cs"/>
               </a:rPr>
-              <a:t>2024/6/8</a:t>
+              <a:t>2024/6/9</a:t>
             </a:fld>
             <a:endParaRPr kumimoji="0" lang="zh-CN" altLang="en-US" sz="1200" b="0" i="0" u="none" strike="noStrike" kern="1200" cap="none" spc="0" normalizeH="0" baseline="0" noProof="0">
               <a:ln>
@@ -8365,7 +8426,7 @@
                 <a:ea typeface="+mn-ea"/>
                 <a:cs typeface="+mn-cs"/>
               </a:rPr>
-              <a:t>2024/6/8</a:t>
+              <a:t>2024/6/9</a:t>
             </a:fld>
             <a:endParaRPr kumimoji="0" lang="zh-CN" altLang="en-US" sz="1200" b="0" i="0" u="none" strike="noStrike" kern="1200" cap="none" spc="0" normalizeH="0" baseline="0" noProof="0">
               <a:ln>
@@ -8539,7 +8600,7 @@
                 <a:ea typeface="+mn-ea"/>
                 <a:cs typeface="+mn-cs"/>
               </a:rPr>
-              <a:t>2024/6/8</a:t>
+              <a:t>2024/6/9</a:t>
             </a:fld>
             <a:endParaRPr kumimoji="0" lang="zh-CN" altLang="en-US" sz="1200" b="0" i="0" u="none" strike="noStrike" kern="1200" cap="none" spc="0" normalizeH="0" baseline="0" noProof="0">
               <a:ln>
@@ -8894,7 +8955,7 @@
                 <a:ea typeface="+mn-ea"/>
                 <a:cs typeface="+mn-cs"/>
               </a:rPr>
-              <a:t>2024/6/8</a:t>
+              <a:t>2024/6/9</a:t>
             </a:fld>
             <a:endParaRPr kumimoji="0" lang="zh-CN" altLang="en-US" sz="1200" b="0" i="0" u="none" strike="noStrike" kern="1200" cap="none" spc="0" normalizeH="0" baseline="0" noProof="0">
               <a:ln>
@@ -9257,7 +9318,7 @@
                 <a:ea typeface="+mn-ea"/>
                 <a:cs typeface="+mn-cs"/>
               </a:rPr>
-              <a:t>2024/6/8</a:t>
+              <a:t>2024/6/9</a:t>
             </a:fld>
             <a:endParaRPr kumimoji="0" lang="zh-CN" altLang="en-US" sz="1200" b="0" i="0" u="none" strike="noStrike" kern="1200" cap="none" spc="0" normalizeH="0" baseline="0" noProof="0">
               <a:ln>
@@ -9505,7 +9566,7 @@
                 <a:ea typeface="+mn-ea"/>
                 <a:cs typeface="+mn-cs"/>
               </a:rPr>
-              <a:t>2024/6/8</a:t>
+              <a:t>2024/6/9</a:t>
             </a:fld>
             <a:endParaRPr kumimoji="0" lang="zh-CN" altLang="en-US" sz="1200" b="0" i="0" u="none" strike="noStrike" kern="1200" cap="none" spc="0" normalizeH="0" baseline="0" noProof="0">
               <a:ln>
@@ -9763,7 +9824,7 @@
                 <a:ea typeface="+mn-ea"/>
                 <a:cs typeface="+mn-cs"/>
               </a:rPr>
-              <a:t>2024/6/8</a:t>
+              <a:t>2024/6/9</a:t>
             </a:fld>
             <a:endParaRPr kumimoji="0" lang="zh-CN" altLang="en-US" sz="1200" b="0" i="0" u="none" strike="noStrike" kern="1200" cap="none" spc="0" normalizeH="0" baseline="0" noProof="0">
               <a:ln>
@@ -10084,7 +10145,7 @@
                 <a:ea typeface="+mn-ea"/>
                 <a:cs typeface="+mn-cs"/>
               </a:rPr>
-              <a:t>2024/6/8</a:t>
+              <a:t>2024/6/9</a:t>
             </a:fld>
             <a:endParaRPr kumimoji="0" lang="zh-CN" altLang="en-US" sz="1200" b="0" i="0" u="none" strike="noStrike" kern="1200" cap="none" spc="0" normalizeH="0" baseline="0" noProof="0">
               <a:ln>
@@ -10332,7 +10393,7 @@
                 <a:ea typeface="+mn-ea"/>
                 <a:cs typeface="+mn-cs"/>
               </a:rPr>
-              <a:t>2024/6/8</a:t>
+              <a:t>2024/6/9</a:t>
             </a:fld>
             <a:endParaRPr kumimoji="0" lang="zh-CN" altLang="en-US" sz="1200" b="0" i="0" u="none" strike="noStrike" kern="1200" cap="none" spc="0" normalizeH="0" baseline="0" noProof="0">
               <a:ln>
@@ -10657,7 +10718,7 @@
                 <a:ea typeface="+mn-ea"/>
                 <a:cs typeface="+mn-cs"/>
               </a:rPr>
-              <a:t>2024/6/8</a:t>
+              <a:t>2024/6/9</a:t>
             </a:fld>
             <a:endParaRPr kumimoji="0" lang="zh-CN" altLang="en-US" sz="1200" b="0" i="0" u="none" strike="noStrike" kern="1200" cap="none" spc="0" normalizeH="0" baseline="0" noProof="0">
               <a:ln>
@@ -11022,7 +11083,7 @@
                 <a:ea typeface="+mn-ea"/>
                 <a:cs typeface="+mn-cs"/>
               </a:rPr>
-              <a:t>2024/6/8</a:t>
+              <a:t>2024/6/9</a:t>
             </a:fld>
             <a:endParaRPr kumimoji="0" lang="zh-CN" altLang="en-US" sz="1200" b="0" i="0" u="none" strike="noStrike" kern="1200" cap="none" spc="0" normalizeH="0" baseline="0" noProof="0">
               <a:ln>
@@ -11521,7 +11582,7 @@
                 <a:ea typeface="+mn-ea"/>
                 <a:cs typeface="+mn-cs"/>
               </a:rPr>
-              <a:t>2024/6/8</a:t>
+              <a:t>2024/6/9</a:t>
             </a:fld>
             <a:endParaRPr kumimoji="0" lang="zh-CN" altLang="en-US" sz="1200" b="0" i="0" u="none" strike="noStrike" kern="1200" cap="none" spc="0" normalizeH="0" baseline="0" noProof="0">
               <a:ln>
@@ -11886,7 +11947,7 @@
                 <a:ea typeface="+mn-ea"/>
                 <a:cs typeface="+mn-cs"/>
               </a:rPr>
-              <a:t>2024/6/8</a:t>
+              <a:t>2024/6/9</a:t>
             </a:fld>
             <a:endParaRPr kumimoji="0" lang="zh-CN" altLang="en-US" sz="1200" b="0" i="0" u="none" strike="noStrike" kern="1200" cap="none" spc="0" normalizeH="0" baseline="0" noProof="0">
               <a:ln>
@@ -12083,7 +12144,7 @@
                 <a:ea typeface="+mn-ea"/>
                 <a:cs typeface="+mn-cs"/>
               </a:rPr>
-              <a:t>2024/6/8</a:t>
+              <a:t>2024/6/9</a:t>
             </a:fld>
             <a:endParaRPr kumimoji="0" lang="zh-CN" altLang="en-US" sz="1200" b="0" i="0" u="none" strike="noStrike" kern="1200" cap="none" spc="0" normalizeH="0" baseline="0" noProof="0">
               <a:ln>
@@ -12257,7 +12318,7 @@
                 <a:ea typeface="+mn-ea"/>
                 <a:cs typeface="+mn-cs"/>
               </a:rPr>
-              <a:t>2024/6/8</a:t>
+              <a:t>2024/6/9</a:t>
             </a:fld>
             <a:endParaRPr kumimoji="0" lang="zh-CN" altLang="en-US" sz="1200" b="0" i="0" u="none" strike="noStrike" kern="1200" cap="none" spc="0" normalizeH="0" baseline="0" noProof="0">
               <a:ln>
@@ -12612,7 +12673,7 @@
                 <a:ea typeface="+mn-ea"/>
                 <a:cs typeface="+mn-cs"/>
               </a:rPr>
-              <a:t>2024/6/8</a:t>
+              <a:t>2024/6/9</a:t>
             </a:fld>
             <a:endParaRPr kumimoji="0" lang="zh-CN" altLang="en-US" sz="1200" b="0" i="0" u="none" strike="noStrike" kern="1200" cap="none" spc="0" normalizeH="0" baseline="0" noProof="0">
               <a:ln>
@@ -12975,7 +13036,7 @@
                 <a:ea typeface="+mn-ea"/>
                 <a:cs typeface="+mn-cs"/>
               </a:rPr>
-              <a:t>2024/6/8</a:t>
+              <a:t>2024/6/9</a:t>
             </a:fld>
             <a:endParaRPr kumimoji="0" lang="zh-CN" altLang="en-US" sz="1200" b="0" i="0" u="none" strike="noStrike" kern="1200" cap="none" spc="0" normalizeH="0" baseline="0" noProof="0">
               <a:ln>
@@ -13223,7 +13284,7 @@
                 <a:ea typeface="+mn-ea"/>
                 <a:cs typeface="+mn-cs"/>
               </a:rPr>
-              <a:t>2024/6/8</a:t>
+              <a:t>2024/6/9</a:t>
             </a:fld>
             <a:endParaRPr kumimoji="0" lang="zh-CN" altLang="en-US" sz="1200" b="0" i="0" u="none" strike="noStrike" kern="1200" cap="none" spc="0" normalizeH="0" baseline="0" noProof="0">
               <a:ln>
@@ -13481,7 +13542,7 @@
                 <a:ea typeface="+mn-ea"/>
                 <a:cs typeface="+mn-cs"/>
               </a:rPr>
-              <a:t>2024/6/8</a:t>
+              <a:t>2024/6/9</a:t>
             </a:fld>
             <a:endParaRPr kumimoji="0" lang="zh-CN" altLang="en-US" sz="1200" b="0" i="0" u="none" strike="noStrike" kern="1200" cap="none" spc="0" normalizeH="0" baseline="0" noProof="0">
               <a:ln>
@@ -13698,7 +13759,7 @@
                 <a:ea typeface="+mn-ea"/>
                 <a:cs typeface="+mn-cs"/>
               </a:rPr>
-              <a:t>2024/6/8</a:t>
+              <a:t>2024/6/9</a:t>
             </a:fld>
             <a:endParaRPr kumimoji="0" lang="zh-CN" altLang="en-US" sz="1200" b="0" i="0" u="none" strike="noStrike" kern="1200" cap="none" spc="0" normalizeH="0" baseline="0" noProof="0">
               <a:ln>
@@ -14019,7 +14080,7 @@
                 <a:ea typeface="+mn-ea"/>
                 <a:cs typeface="+mn-cs"/>
               </a:rPr>
-              <a:t>2024/6/8</a:t>
+              <a:t>2024/6/9</a:t>
             </a:fld>
             <a:endParaRPr kumimoji="0" lang="zh-CN" altLang="en-US" sz="1200" b="0" i="0" u="none" strike="noStrike" kern="1200" cap="none" spc="0" normalizeH="0" baseline="0" noProof="0">
               <a:ln>
@@ -14267,7 +14328,7 @@
                 <a:ea typeface="+mn-ea"/>
                 <a:cs typeface="+mn-cs"/>
               </a:rPr>
-              <a:t>2024/6/8</a:t>
+              <a:t>2024/6/9</a:t>
             </a:fld>
             <a:endParaRPr kumimoji="0" lang="zh-CN" altLang="en-US" sz="1200" b="0" i="0" u="none" strike="noStrike" kern="1200" cap="none" spc="0" normalizeH="0" baseline="0" noProof="0">
               <a:ln>
@@ -14592,7 +14653,7 @@
                 <a:ea typeface="+mn-ea"/>
                 <a:cs typeface="+mn-cs"/>
               </a:rPr>
-              <a:t>2024/6/8</a:t>
+              <a:t>2024/6/9</a:t>
             </a:fld>
             <a:endParaRPr kumimoji="0" lang="zh-CN" altLang="en-US" sz="1200" b="0" i="0" u="none" strike="noStrike" kern="1200" cap="none" spc="0" normalizeH="0" baseline="0" noProof="0">
               <a:ln>
@@ -15091,7 +15152,7 @@
                 <a:ea typeface="+mn-ea"/>
                 <a:cs typeface="+mn-cs"/>
               </a:rPr>
-              <a:t>2024/6/8</a:t>
+              <a:t>2024/6/9</a:t>
             </a:fld>
             <a:endParaRPr kumimoji="0" lang="zh-CN" altLang="en-US" sz="1200" b="0" i="0" u="none" strike="noStrike" kern="1200" cap="none" spc="0" normalizeH="0" baseline="0" noProof="0">
               <a:ln>
@@ -15456,7 +15517,7 @@
                 <a:ea typeface="+mn-ea"/>
                 <a:cs typeface="+mn-cs"/>
               </a:rPr>
-              <a:t>2024/6/8</a:t>
+              <a:t>2024/6/9</a:t>
             </a:fld>
             <a:endParaRPr kumimoji="0" lang="zh-CN" altLang="en-US" sz="1200" b="0" i="0" u="none" strike="noStrike" kern="1200" cap="none" spc="0" normalizeH="0" baseline="0" noProof="0">
               <a:ln>
@@ -15955,7 +16016,7 @@
                 <a:ea typeface="+mn-ea"/>
                 <a:cs typeface="+mn-cs"/>
               </a:rPr>
-              <a:t>2024/6/8</a:t>
+              <a:t>2024/6/9</a:t>
             </a:fld>
             <a:endParaRPr kumimoji="0" lang="zh-CN" altLang="en-US" sz="1200" b="0" i="0" u="none" strike="noStrike" kern="1200" cap="none" spc="0" normalizeH="0" baseline="0" noProof="0">
               <a:ln>
@@ -16152,7 +16213,7 @@
                 <a:ea typeface="+mn-ea"/>
                 <a:cs typeface="+mn-cs"/>
               </a:rPr>
-              <a:t>2024/6/8</a:t>
+              <a:t>2024/6/9</a:t>
             </a:fld>
             <a:endParaRPr kumimoji="0" lang="zh-CN" altLang="en-US" sz="1200" b="0" i="0" u="none" strike="noStrike" kern="1200" cap="none" spc="0" normalizeH="0" baseline="0" noProof="0">
               <a:ln>
@@ -16326,7 +16387,7 @@
                 <a:ea typeface="+mn-ea"/>
                 <a:cs typeface="+mn-cs"/>
               </a:rPr>
-              <a:t>2024/6/8</a:t>
+              <a:t>2024/6/9</a:t>
             </a:fld>
             <a:endParaRPr kumimoji="0" lang="zh-CN" altLang="en-US" sz="1200" b="0" i="0" u="none" strike="noStrike" kern="1200" cap="none" spc="0" normalizeH="0" baseline="0" noProof="0">
               <a:ln>
@@ -16681,7 +16742,7 @@
                 <a:ea typeface="+mn-ea"/>
                 <a:cs typeface="+mn-cs"/>
               </a:rPr>
-              <a:t>2024/6/8</a:t>
+              <a:t>2024/6/9</a:t>
             </a:fld>
             <a:endParaRPr kumimoji="0" lang="zh-CN" altLang="en-US" sz="1200" b="0" i="0" u="none" strike="noStrike" kern="1200" cap="none" spc="0" normalizeH="0" baseline="0" noProof="0">
               <a:ln>
@@ -17044,7 +17105,7 @@
                 <a:ea typeface="+mn-ea"/>
                 <a:cs typeface="+mn-cs"/>
               </a:rPr>
-              <a:t>2024/6/8</a:t>
+              <a:t>2024/6/9</a:t>
             </a:fld>
             <a:endParaRPr kumimoji="0" lang="zh-CN" altLang="en-US" sz="1200" b="0" i="0" u="none" strike="noStrike" kern="1200" cap="none" spc="0" normalizeH="0" baseline="0" noProof="0">
               <a:ln>
@@ -17292,7 +17353,7 @@
                 <a:ea typeface="+mn-ea"/>
                 <a:cs typeface="+mn-cs"/>
               </a:rPr>
-              <a:t>2024/6/8</a:t>
+              <a:t>2024/6/9</a:t>
             </a:fld>
             <a:endParaRPr kumimoji="0" lang="zh-CN" altLang="en-US" sz="1200" b="0" i="0" u="none" strike="noStrike" kern="1200" cap="none" spc="0" normalizeH="0" baseline="0" noProof="0">
               <a:ln>
@@ -17550,7 +17611,7 @@
                 <a:ea typeface="+mn-ea"/>
                 <a:cs typeface="+mn-cs"/>
               </a:rPr>
-              <a:t>2024/6/8</a:t>
+              <a:t>2024/6/9</a:t>
             </a:fld>
             <a:endParaRPr kumimoji="0" lang="zh-CN" altLang="en-US" sz="1200" b="0" i="0" u="none" strike="noStrike" kern="1200" cap="none" spc="0" normalizeH="0" baseline="0" noProof="0">
               <a:ln>
@@ -17767,7 +17828,7 @@
                 <a:ea typeface="+mn-ea"/>
                 <a:cs typeface="+mn-cs"/>
               </a:rPr>
-              <a:t>2024/6/8</a:t>
+              <a:t>2024/6/9</a:t>
             </a:fld>
             <a:endParaRPr kumimoji="0" lang="zh-CN" altLang="en-US" sz="1200" b="0" i="0" u="none" strike="noStrike" kern="1200" cap="none" spc="0" normalizeH="0" baseline="0" noProof="0">
               <a:ln>
@@ -18088,7 +18149,7 @@
                 <a:ea typeface="+mn-ea"/>
                 <a:cs typeface="+mn-cs"/>
               </a:rPr>
-              <a:t>2024/6/8</a:t>
+              <a:t>2024/6/9</a:t>
             </a:fld>
             <a:endParaRPr kumimoji="0" lang="zh-CN" altLang="en-US" sz="1200" b="0" i="0" u="none" strike="noStrike" kern="1200" cap="none" spc="0" normalizeH="0" baseline="0" noProof="0">
               <a:ln>
@@ -18285,7 +18346,7 @@
                 <a:ea typeface="+mn-ea"/>
                 <a:cs typeface="+mn-cs"/>
               </a:rPr>
-              <a:t>2024/6/8</a:t>
+              <a:t>2024/6/9</a:t>
             </a:fld>
             <a:endParaRPr kumimoji="0" lang="zh-CN" altLang="en-US" sz="1200" b="0" i="0" u="none" strike="noStrike" kern="1200" cap="none" spc="0" normalizeH="0" baseline="0" noProof="0">
               <a:ln>
@@ -18533,7 +18594,7 @@
                 <a:ea typeface="+mn-ea"/>
                 <a:cs typeface="+mn-cs"/>
               </a:rPr>
-              <a:t>2024/6/8</a:t>
+              <a:t>2024/6/9</a:t>
             </a:fld>
             <a:endParaRPr kumimoji="0" lang="zh-CN" altLang="en-US" sz="1200" b="0" i="0" u="none" strike="noStrike" kern="1200" cap="none" spc="0" normalizeH="0" baseline="0" noProof="0">
               <a:ln>
@@ -18858,7 +18919,7 @@
                 <a:ea typeface="+mn-ea"/>
                 <a:cs typeface="+mn-cs"/>
               </a:rPr>
-              <a:t>2024/6/8</a:t>
+              <a:t>2024/6/9</a:t>
             </a:fld>
             <a:endParaRPr kumimoji="0" lang="zh-CN" altLang="en-US" sz="1200" b="0" i="0" u="none" strike="noStrike" kern="1200" cap="none" spc="0" normalizeH="0" baseline="0" noProof="0">
               <a:ln>
@@ -19223,7 +19284,7 @@
                 <a:ea typeface="+mn-ea"/>
                 <a:cs typeface="+mn-cs"/>
               </a:rPr>
-              <a:t>2024/6/8</a:t>
+              <a:t>2024/6/9</a:t>
             </a:fld>
             <a:endParaRPr kumimoji="0" lang="zh-CN" altLang="en-US" sz="1200" b="0" i="0" u="none" strike="noStrike" kern="1200" cap="none" spc="0" normalizeH="0" baseline="0" noProof="0">
               <a:ln>
@@ -19722,7 +19783,7 @@
                 <a:ea typeface="+mn-ea"/>
                 <a:cs typeface="+mn-cs"/>
               </a:rPr>
-              <a:t>2024/6/8</a:t>
+              <a:t>2024/6/9</a:t>
             </a:fld>
             <a:endParaRPr kumimoji="0" lang="zh-CN" altLang="en-US" sz="1200" b="0" i="0" u="none" strike="noStrike" kern="1200" cap="none" spc="0" normalizeH="0" baseline="0" noProof="0">
               <a:ln>
@@ -19919,7 +19980,7 @@
                 <a:ea typeface="+mn-ea"/>
                 <a:cs typeface="+mn-cs"/>
               </a:rPr>
-              <a:t>2024/6/8</a:t>
+              <a:t>2024/6/9</a:t>
             </a:fld>
             <a:endParaRPr kumimoji="0" lang="zh-CN" altLang="en-US" sz="1200" b="0" i="0" u="none" strike="noStrike" kern="1200" cap="none" spc="0" normalizeH="0" baseline="0" noProof="0">
               <a:ln>
@@ -20093,7 +20154,7 @@
                 <a:ea typeface="+mn-ea"/>
                 <a:cs typeface="+mn-cs"/>
               </a:rPr>
-              <a:t>2024/6/8</a:t>
+              <a:t>2024/6/9</a:t>
             </a:fld>
             <a:endParaRPr kumimoji="0" lang="zh-CN" altLang="en-US" sz="1200" b="0" i="0" u="none" strike="noStrike" kern="1200" cap="none" spc="0" normalizeH="0" baseline="0" noProof="0">
               <a:ln>
@@ -20448,7 +20509,7 @@
                 <a:ea typeface="+mn-ea"/>
                 <a:cs typeface="+mn-cs"/>
               </a:rPr>
-              <a:t>2024/6/8</a:t>
+              <a:t>2024/6/9</a:t>
             </a:fld>
             <a:endParaRPr kumimoji="0" lang="zh-CN" altLang="en-US" sz="1200" b="0" i="0" u="none" strike="noStrike" kern="1200" cap="none" spc="0" normalizeH="0" baseline="0" noProof="0">
               <a:ln>
@@ -20811,7 +20872,7 @@
                 <a:ea typeface="+mn-ea"/>
                 <a:cs typeface="+mn-cs"/>
               </a:rPr>
-              <a:t>2024/6/8</a:t>
+              <a:t>2024/6/9</a:t>
             </a:fld>
             <a:endParaRPr kumimoji="0" lang="zh-CN" altLang="en-US" sz="1200" b="0" i="0" u="none" strike="noStrike" kern="1200" cap="none" spc="0" normalizeH="0" baseline="0" noProof="0">
               <a:ln>
@@ -21059,7 +21120,7 @@
                 <a:ea typeface="+mn-ea"/>
                 <a:cs typeface="+mn-cs"/>
               </a:rPr>
-              <a:t>2024/6/8</a:t>
+              <a:t>2024/6/9</a:t>
             </a:fld>
             <a:endParaRPr kumimoji="0" lang="zh-CN" altLang="en-US" sz="1200" b="0" i="0" u="none" strike="noStrike" kern="1200" cap="none" spc="0" normalizeH="0" baseline="0" noProof="0">
               <a:ln>
@@ -21317,7 +21378,7 @@
                 <a:ea typeface="+mn-ea"/>
                 <a:cs typeface="+mn-cs"/>
               </a:rPr>
-              <a:t>2024/6/8</a:t>
+              <a:t>2024/6/9</a:t>
             </a:fld>
             <a:endParaRPr kumimoji="0" lang="zh-CN" altLang="en-US" sz="1200" b="0" i="0" u="none" strike="noStrike" kern="1200" cap="none" spc="0" normalizeH="0" baseline="0" noProof="0">
               <a:ln>
@@ -21491,7 +21552,7 @@
                 <a:ea typeface="+mn-ea"/>
                 <a:cs typeface="+mn-cs"/>
               </a:rPr>
-              <a:t>2024/6/8</a:t>
+              <a:t>2024/6/9</a:t>
             </a:fld>
             <a:endParaRPr kumimoji="0" lang="zh-CN" altLang="en-US" sz="1200" b="0" i="0" u="none" strike="noStrike" kern="1200" cap="none" spc="0" normalizeH="0" baseline="0" noProof="0">
               <a:ln>
@@ -21708,7 +21769,7 @@
                 <a:ea typeface="+mn-ea"/>
                 <a:cs typeface="+mn-cs"/>
               </a:rPr>
-              <a:t>2024/6/8</a:t>
+              <a:t>2024/6/9</a:t>
             </a:fld>
             <a:endParaRPr kumimoji="0" lang="zh-CN" altLang="en-US" sz="1200" b="0" i="0" u="none" strike="noStrike" kern="1200" cap="none" spc="0" normalizeH="0" baseline="0" noProof="0">
               <a:ln>
@@ -22029,7 +22090,7 @@
                 <a:ea typeface="+mn-ea"/>
                 <a:cs typeface="+mn-cs"/>
               </a:rPr>
-              <a:t>2024/6/8</a:t>
+              <a:t>2024/6/9</a:t>
             </a:fld>
             <a:endParaRPr kumimoji="0" lang="zh-CN" altLang="en-US" sz="1200" b="0" i="0" u="none" strike="noStrike" kern="1200" cap="none" spc="0" normalizeH="0" baseline="0" noProof="0">
               <a:ln>
@@ -22277,7 +22338,7 @@
                 <a:ea typeface="+mn-ea"/>
                 <a:cs typeface="+mn-cs"/>
               </a:rPr>
-              <a:t>2024/6/8</a:t>
+              <a:t>2024/6/9</a:t>
             </a:fld>
             <a:endParaRPr kumimoji="0" lang="zh-CN" altLang="en-US" sz="1200" b="0" i="0" u="none" strike="noStrike" kern="1200" cap="none" spc="0" normalizeH="0" baseline="0" noProof="0">
               <a:ln>
@@ -22602,7 +22663,7 @@
                 <a:ea typeface="+mn-ea"/>
                 <a:cs typeface="+mn-cs"/>
               </a:rPr>
-              <a:t>2024/6/8</a:t>
+              <a:t>2024/6/9</a:t>
             </a:fld>
             <a:endParaRPr kumimoji="0" lang="zh-CN" altLang="en-US" sz="1200" b="0" i="0" u="none" strike="noStrike" kern="1200" cap="none" spc="0" normalizeH="0" baseline="0" noProof="0">
               <a:ln>
@@ -22967,7 +23028,7 @@
                 <a:ea typeface="+mn-ea"/>
                 <a:cs typeface="+mn-cs"/>
               </a:rPr>
-              <a:t>2024/6/8</a:t>
+              <a:t>2024/6/9</a:t>
             </a:fld>
             <a:endParaRPr kumimoji="0" lang="zh-CN" altLang="en-US" sz="1200" b="0" i="0" u="none" strike="noStrike" kern="1200" cap="none" spc="0" normalizeH="0" baseline="0" noProof="0">
               <a:ln>
@@ -23466,7 +23527,7 @@
                 <a:ea typeface="+mn-ea"/>
                 <a:cs typeface="+mn-cs"/>
               </a:rPr>
-              <a:t>2024/6/8</a:t>
+              <a:t>2024/6/9</a:t>
             </a:fld>
             <a:endParaRPr kumimoji="0" lang="zh-CN" altLang="en-US" sz="1200" b="0" i="0" u="none" strike="noStrike" kern="1200" cap="none" spc="0" normalizeH="0" baseline="0" noProof="0">
               <a:ln>
@@ -23663,7 +23724,7 @@
                 <a:ea typeface="+mn-ea"/>
                 <a:cs typeface="+mn-cs"/>
               </a:rPr>
-              <a:t>2024/6/8</a:t>
+              <a:t>2024/6/9</a:t>
             </a:fld>
             <a:endParaRPr kumimoji="0" lang="zh-CN" altLang="en-US" sz="1200" b="0" i="0" u="none" strike="noStrike" kern="1200" cap="none" spc="0" normalizeH="0" baseline="0" noProof="0">
               <a:ln>
@@ -23837,7 +23898,7 @@
                 <a:ea typeface="+mn-ea"/>
                 <a:cs typeface="+mn-cs"/>
               </a:rPr>
-              <a:t>2024/6/8</a:t>
+              <a:t>2024/6/9</a:t>
             </a:fld>
             <a:endParaRPr kumimoji="0" lang="zh-CN" altLang="en-US" sz="1200" b="0" i="0" u="none" strike="noStrike" kern="1200" cap="none" spc="0" normalizeH="0" baseline="0" noProof="0">
               <a:ln>
@@ -24192,7 +24253,7 @@
                 <a:ea typeface="+mn-ea"/>
                 <a:cs typeface="+mn-cs"/>
               </a:rPr>
-              <a:t>2024/6/8</a:t>
+              <a:t>2024/6/9</a:t>
             </a:fld>
             <a:endParaRPr kumimoji="0" lang="zh-CN" altLang="en-US" sz="1200" b="0" i="0" u="none" strike="noStrike" kern="1200" cap="none" spc="0" normalizeH="0" baseline="0" noProof="0">
               <a:ln>
@@ -24555,7 +24616,7 @@
                 <a:ea typeface="+mn-ea"/>
                 <a:cs typeface="+mn-cs"/>
               </a:rPr>
-              <a:t>2024/6/8</a:t>
+              <a:t>2024/6/9</a:t>
             </a:fld>
             <a:endParaRPr kumimoji="0" lang="zh-CN" altLang="en-US" sz="1200" b="0" i="0" u="none" strike="noStrike" kern="1200" cap="none" spc="0" normalizeH="0" baseline="0" noProof="0">
               <a:ln>
@@ -24910,7 +24971,7 @@
                 <a:ea typeface="+mn-ea"/>
                 <a:cs typeface="+mn-cs"/>
               </a:rPr>
-              <a:t>2024/6/8</a:t>
+              <a:t>2024/6/9</a:t>
             </a:fld>
             <a:endParaRPr kumimoji="0" lang="zh-CN" altLang="en-US" sz="1200" b="0" i="0" u="none" strike="noStrike" kern="1200" cap="none" spc="0" normalizeH="0" baseline="0" noProof="0">
               <a:ln>
@@ -25158,7 +25219,7 @@
                 <a:ea typeface="+mn-ea"/>
                 <a:cs typeface="+mn-cs"/>
               </a:rPr>
-              <a:t>2024/6/8</a:t>
+              <a:t>2024/6/9</a:t>
             </a:fld>
             <a:endParaRPr kumimoji="0" lang="zh-CN" altLang="en-US" sz="1200" b="0" i="0" u="none" strike="noStrike" kern="1200" cap="none" spc="0" normalizeH="0" baseline="0" noProof="0">
               <a:ln>
@@ -25416,7 +25477,7 @@
                 <a:ea typeface="+mn-ea"/>
                 <a:cs typeface="+mn-cs"/>
               </a:rPr>
-              <a:t>2024/6/8</a:t>
+              <a:t>2024/6/9</a:t>
             </a:fld>
             <a:endParaRPr kumimoji="0" lang="zh-CN" altLang="en-US" sz="1200" b="0" i="0" u="none" strike="noStrike" kern="1200" cap="none" spc="0" normalizeH="0" baseline="0" noProof="0">
               <a:ln>
@@ -25633,7 +25694,7 @@
                 <a:ea typeface="+mn-ea"/>
                 <a:cs typeface="+mn-cs"/>
               </a:rPr>
-              <a:t>2024/6/8</a:t>
+              <a:t>2024/6/9</a:t>
             </a:fld>
             <a:endParaRPr kumimoji="0" lang="zh-CN" altLang="en-US" sz="1200" b="0" i="0" u="none" strike="noStrike" kern="1200" cap="none" spc="0" normalizeH="0" baseline="0" noProof="0">
               <a:ln>
@@ -25996,7 +26057,7 @@
                 <a:ea typeface="+mn-ea"/>
                 <a:cs typeface="+mn-cs"/>
               </a:rPr>
-              <a:t>2024/6/8</a:t>
+              <a:t>2024/6/9</a:t>
             </a:fld>
             <a:endParaRPr kumimoji="0" lang="zh-CN" altLang="en-US" sz="1200" b="0" i="0" u="none" strike="noStrike" kern="1200" cap="none" spc="0" normalizeH="0" baseline="0" noProof="0">
               <a:ln>
@@ -26291,7 +26352,7 @@
                 <a:ea typeface="+mn-ea"/>
                 <a:cs typeface="+mn-cs"/>
               </a:rPr>
-              <a:t>2024/6/8</a:t>
+              <a:t>2024/6/9</a:t>
             </a:fld>
             <a:endParaRPr kumimoji="0" lang="zh-CN" altLang="en-US" sz="1200" b="0" i="0" u="none" strike="noStrike" kern="1200" cap="none" spc="0" normalizeH="0" baseline="0" noProof="0">
               <a:ln>
@@ -26911,7 +26972,7 @@
                 <a:ea typeface="+mn-ea"/>
                 <a:cs typeface="+mn-cs"/>
               </a:rPr>
-              <a:t>2024/6/8</a:t>
+              <a:t>2024/6/9</a:t>
             </a:fld>
             <a:endParaRPr kumimoji="0" lang="zh-CN" altLang="en-US" sz="1200" b="0" i="0" u="none" strike="noStrike" kern="1200" cap="none" spc="0" normalizeH="0" baseline="0" noProof="0">
               <a:ln>
@@ -27502,7 +27563,7 @@
                 <a:ea typeface="+mn-ea"/>
                 <a:cs typeface="+mn-cs"/>
               </a:rPr>
-              <a:t>2024/6/8</a:t>
+              <a:t>2024/6/9</a:t>
             </a:fld>
             <a:endParaRPr kumimoji="0" lang="zh-CN" altLang="en-US" sz="1200" b="0" i="0" u="none" strike="noStrike" kern="1200" cap="none" spc="0" normalizeH="0" baseline="0" noProof="0">
               <a:ln>
@@ -28093,7 +28154,7 @@
                 <a:ea typeface="+mn-ea"/>
                 <a:cs typeface="+mn-cs"/>
               </a:rPr>
-              <a:t>2024/6/8</a:t>
+              <a:t>2024/6/9</a:t>
             </a:fld>
             <a:endParaRPr kumimoji="0" lang="zh-CN" altLang="en-US" sz="1200" b="0" i="0" u="none" strike="noStrike" kern="1200" cap="none" spc="0" normalizeH="0" baseline="0" noProof="0">
               <a:ln>
@@ -28713,7 +28774,7 @@
                 <a:ea typeface="+mn-ea"/>
                 <a:cs typeface="+mn-cs"/>
               </a:rPr>
-              <a:t>2024/6/8</a:t>
+              <a:t>2024/6/9</a:t>
             </a:fld>
             <a:endParaRPr kumimoji="0" lang="zh-CN" altLang="en-US" sz="1200" b="0" i="0" u="none" strike="noStrike" kern="1200" cap="none" spc="0" normalizeH="0" baseline="0" noProof="0">
               <a:ln>
@@ -29333,7 +29394,7 @@
                 <a:ea typeface="+mn-ea"/>
                 <a:cs typeface="+mn-cs"/>
               </a:rPr>
-              <a:t>2024/6/8</a:t>
+              <a:t>2024/6/9</a:t>
             </a:fld>
             <a:endParaRPr kumimoji="0" lang="zh-CN" altLang="en-US" sz="1200" b="0" i="0" u="none" strike="noStrike" kern="1200" cap="none" spc="0" normalizeH="0" baseline="0" noProof="0">
               <a:ln>
@@ -29953,7 +30014,7 @@
                 <a:ea typeface="+mn-ea"/>
                 <a:cs typeface="+mn-cs"/>
               </a:rPr>
-              <a:t>2024/6/8</a:t>
+              <a:t>2024/6/9</a:t>
             </a:fld>
             <a:endParaRPr kumimoji="0" lang="zh-CN" altLang="en-US" sz="1200" b="0" i="0" u="none" strike="noStrike" kern="1200" cap="none" spc="0" normalizeH="0" baseline="0" noProof="0">
               <a:ln>
@@ -33647,7 +33708,7 @@
         </p:nvCxnSpPr>
         <p:spPr>
           <a:xfrm>
-            <a:off x="4769328" y="4068412"/>
+            <a:off x="4716016" y="4068412"/>
             <a:ext cx="0" cy="108000"/>
           </a:xfrm>
           <a:prstGeom prst="straightConnector1">
@@ -34296,7 +34357,7 @@
         </p:nvCxnSpPr>
         <p:spPr>
           <a:xfrm>
-            <a:off x="4751512" y="3539499"/>
+            <a:off x="4716016" y="3539499"/>
             <a:ext cx="0" cy="122400"/>
           </a:xfrm>
           <a:prstGeom prst="straightConnector1">
